--- a/charts/p18/p18.pptx
+++ b/charts/p18/p18.pptx
@@ -7,6 +7,9 @@
   <p:notesMasterIdLst>
     <p:notesMasterId r:id="rId4"/>
   </p:notesMasterIdLst>
+  <p:handoutMasterIdLst>
+    <p:handoutMasterId r:id="rId5"/>
+  </p:handoutMasterIdLst>
   <p:sldIdLst>
     <p:sldId id="273" r:id="rId3"/>
   </p:sldIdLst>
@@ -15,14 +18,10 @@
   <p:embeddedFontLst>
     <p:embeddedFont>
       <p:font typeface="Roboto" panose="02000000000000000000"/>
-      <p:regular r:id="rId8"/>
+      <p:regular r:id="rId9"/>
     </p:embeddedFont>
     <p:embeddedFont>
       <p:font typeface="Helvetica Neue" panose="02000503000000020004"/>
-      <p:regular r:id="rId9"/>
-    </p:embeddedFont>
-    <p:embeddedFont>
-      <p:font typeface="Lato"/>
       <p:regular r:id="rId10"/>
     </p:embeddedFont>
   </p:embeddedFontLst>
@@ -1394,6 +1393,164 @@
     <c:autoUpdate val="0"/>
   </c:externalData>
 </c:chartSpace>
+</file>
+
+<file path=ppt/handoutMasters/handoutMaster1.xml><?xml version="1.0" encoding="utf-8"?>
+<p:handoutMaster xmlns:a="http://schemas.openxmlformats.org/drawingml/2006/main" xmlns:r="http://schemas.openxmlformats.org/officeDocument/2006/relationships" xmlns:p="http://schemas.openxmlformats.org/presentationml/2006/main">
+  <p:cSld>
+    <p:bg>
+      <p:bgRef idx="1001">
+        <a:schemeClr val="bg1"/>
+      </p:bgRef>
+    </p:bg>
+    <p:spTree>
+      <p:nvGrpSpPr>
+        <p:cNvPr id="1" name=""/>
+        <p:cNvGrpSpPr/>
+        <p:nvPr/>
+      </p:nvGrpSpPr>
+      <p:grpSpPr>
+        <a:xfrm>
+          <a:off x="0" y="0"/>
+          <a:ext cx="0" cy="0"/>
+          <a:chOff x="0" y="0"/>
+          <a:chExt cx="0" cy="0"/>
+        </a:xfrm>
+      </p:grpSpPr>
+      <p:sp>
+        <p:nvSpPr>
+          <p:cNvPr id="2" name="页眉占位符 1"/>
+          <p:cNvSpPr>
+            <a:spLocks noGrp="1"/>
+          </p:cNvSpPr>
+          <p:nvPr>
+            <p:ph type="hdr" sz="quarter"/>
+          </p:nvPr>
+        </p:nvSpPr>
+        <p:spPr>
+          <a:xfrm>
+            <a:off x="0" y="0"/>
+            <a:ext cx="2985558" cy="502660"/>
+          </a:xfrm>
+          <a:prstGeom prst="rect">
+            <a:avLst/>
+          </a:prstGeom>
+        </p:spPr>
+        <p:txBody>
+          <a:bodyPr vert="horz" lIns="91440" tIns="45720" rIns="91440" bIns="45720" rtlCol="0"/>
+          <a:lstStyle>
+            <a:lvl1pPr algn="l">
+              <a:defRPr sz="1205"/>
+            </a:lvl1pPr>
+          </a:lstStyle>
+          <a:p>
+            <a:endParaRPr lang="zh-CN" altLang="en-US"/>
+          </a:p>
+        </p:txBody>
+      </p:sp>
+      <p:sp>
+        <p:nvSpPr>
+          <p:cNvPr id="3" name="日期占位符 2"/>
+          <p:cNvSpPr>
+            <a:spLocks noGrp="1"/>
+          </p:cNvSpPr>
+          <p:nvPr>
+            <p:ph type="dt" sz="quarter" idx="1"/>
+          </p:nvPr>
+        </p:nvSpPr>
+        <p:spPr>
+          <a:xfrm>
+            <a:off x="3902597" y="0"/>
+            <a:ext cx="2985558" cy="502660"/>
+          </a:xfrm>
+          <a:prstGeom prst="rect">
+            <a:avLst/>
+          </a:prstGeom>
+        </p:spPr>
+        <p:txBody>
+          <a:bodyPr vert="horz" lIns="91440" tIns="45720" rIns="91440" bIns="45720" rtlCol="0"/>
+          <a:lstStyle>
+            <a:lvl1pPr algn="r">
+              <a:defRPr sz="1205"/>
+            </a:lvl1pPr>
+          </a:lstStyle>
+          <a:p>
+            <a:fld id="{0F9B84EA-7D68-4D60-9CB1-D50884785D1C}" type="datetimeFigureOut">
+              <a:rPr lang="zh-CN" altLang="en-US" smtClean="0"/>
+            </a:fld>
+            <a:endParaRPr lang="zh-CN" altLang="en-US"/>
+          </a:p>
+        </p:txBody>
+      </p:sp>
+      <p:sp>
+        <p:nvSpPr>
+          <p:cNvPr id="4" name="页脚占位符 3"/>
+          <p:cNvSpPr>
+            <a:spLocks noGrp="1"/>
+          </p:cNvSpPr>
+          <p:nvPr>
+            <p:ph type="ftr" sz="quarter" idx="2"/>
+          </p:nvPr>
+        </p:nvSpPr>
+        <p:spPr>
+          <a:xfrm>
+            <a:off x="0" y="9515736"/>
+            <a:ext cx="2985558" cy="502659"/>
+          </a:xfrm>
+          <a:prstGeom prst="rect">
+            <a:avLst/>
+          </a:prstGeom>
+        </p:spPr>
+        <p:txBody>
+          <a:bodyPr vert="horz" lIns="91440" tIns="45720" rIns="91440" bIns="45720" rtlCol="0" anchor="b"/>
+          <a:lstStyle>
+            <a:lvl1pPr algn="l">
+              <a:defRPr sz="1205"/>
+            </a:lvl1pPr>
+          </a:lstStyle>
+          <a:p>
+            <a:endParaRPr lang="zh-CN" altLang="en-US"/>
+          </a:p>
+        </p:txBody>
+      </p:sp>
+      <p:sp>
+        <p:nvSpPr>
+          <p:cNvPr id="5" name="灯片编号占位符 4"/>
+          <p:cNvSpPr>
+            <a:spLocks noGrp="1"/>
+          </p:cNvSpPr>
+          <p:nvPr>
+            <p:ph type="sldNum" sz="quarter" idx="3"/>
+          </p:nvPr>
+        </p:nvSpPr>
+        <p:spPr>
+          <a:xfrm>
+            <a:off x="3902597" y="9515736"/>
+            <a:ext cx="2985558" cy="502659"/>
+          </a:xfrm>
+          <a:prstGeom prst="rect">
+            <a:avLst/>
+          </a:prstGeom>
+        </p:spPr>
+        <p:txBody>
+          <a:bodyPr vert="horz" lIns="91440" tIns="45720" rIns="91440" bIns="45720" rtlCol="0" anchor="b"/>
+          <a:lstStyle>
+            <a:lvl1pPr algn="r">
+              <a:defRPr sz="1205"/>
+            </a:lvl1pPr>
+          </a:lstStyle>
+          <a:p>
+            <a:fld id="{8D4E0FC9-F1F8-4FAE-9988-3BA365CFD46F}" type="slidenum">
+              <a:rPr lang="zh-CN" altLang="en-US" smtClean="0"/>
+            </a:fld>
+            <a:endParaRPr lang="zh-CN" altLang="en-US"/>
+          </a:p>
+        </p:txBody>
+      </p:sp>
+    </p:spTree>
+  </p:cSld>
+  <p:clrMap bg1="lt1" tx1="dk1" bg2="lt2" tx2="dk2" accent1="accent1" accent2="accent2" accent3="accent3" accent4="accent4" accent5="accent5" accent6="accent6" hlink="hlink" folHlink="folHlink"/>
+</p:handoutMaster>
 </file>
 
 <file path=ppt/notesMasters/notesMaster1.xml><?xml version="1.0" encoding="utf-8"?>
@@ -7344,8 +7501,8 @@
         </p:nvSpPr>
         <p:spPr>
           <a:xfrm>
-            <a:off x="3392488" y="4405890"/>
-            <a:ext cx="623888" cy="387386"/>
+            <a:off x="3392805" y="4406900"/>
+            <a:ext cx="828040" cy="384810"/>
           </a:xfrm>
           <a:custGeom>
             <a:avLst/>
@@ -7415,10 +7572,10 @@
               <a:solidFill>
                 <a:srgbClr val="000000"/>
               </a:solidFill>
-              <a:latin typeface="Lato"/>
-              <a:ea typeface="Lato"/>
-              <a:cs typeface="Lato"/>
-              <a:sym typeface="Lato"/>
+              <a:latin typeface="Sathu" panose="00000400000000000000" charset="0"/>
+              <a:ea typeface="Sathu" panose="00000400000000000000" charset="0"/>
+              <a:cs typeface="Sathu" panose="00000400000000000000" charset="0"/>
+              <a:sym typeface="Sathu" panose="00000400000000000000" charset="0"/>
             </a:endParaRPr>
           </a:p>
         </p:txBody>
@@ -7497,8 +7654,8 @@
         </p:nvSpPr>
         <p:spPr>
           <a:xfrm>
-            <a:off x="5627688" y="4405908"/>
-            <a:ext cx="795338" cy="387350"/>
+            <a:off x="5628005" y="4364990"/>
+            <a:ext cx="1052195" cy="384810"/>
           </a:xfrm>
           <a:custGeom>
             <a:avLst/>
@@ -7568,10 +7725,10 @@
               <a:solidFill>
                 <a:srgbClr val="000000"/>
               </a:solidFill>
-              <a:latin typeface="Lato"/>
-              <a:ea typeface="Lato"/>
-              <a:cs typeface="Lato"/>
-              <a:sym typeface="Lato"/>
+              <a:latin typeface="Sathu" panose="00000400000000000000" charset="0"/>
+              <a:ea typeface="Sathu" panose="00000400000000000000" charset="0"/>
+              <a:cs typeface="Sathu" panose="00000400000000000000" charset="0"/>
+              <a:sym typeface="Sathu" panose="00000400000000000000" charset="0"/>
             </a:endParaRPr>
           </a:p>
         </p:txBody>
@@ -7655,10 +7812,10 @@
               <a:solidFill>
                 <a:srgbClr val="000000"/>
               </a:solidFill>
-              <a:latin typeface="Lato"/>
-              <a:ea typeface="Lato"/>
-              <a:cs typeface="Lato"/>
-              <a:sym typeface="Lato"/>
+              <a:latin typeface="Sathu" panose="00000400000000000000" charset="0"/>
+              <a:ea typeface="Sathu" panose="00000400000000000000" charset="0"/>
+              <a:cs typeface="Sathu" panose="00000400000000000000" charset="0"/>
+              <a:sym typeface="Sathu" panose="00000400000000000000" charset="0"/>
             </a:endParaRPr>
           </a:p>
         </p:txBody>
@@ -11122,4 +11279,263 @@
     </a:ext>
   </a:extLst>
 </a:theme>
+</file>
+
+<file path=ppt/theme/theme3.xml><?xml version="1.0" encoding="utf-8"?>
+<a:theme xmlns:a="http://schemas.openxmlformats.org/drawingml/2006/main" name="Office 主题">
+  <a:themeElements>
+    <a:clrScheme name="Office">
+      <a:dk1>
+        <a:sysClr val="windowText" lastClr="000000"/>
+      </a:dk1>
+      <a:lt1>
+        <a:sysClr val="window" lastClr="FFFFFF"/>
+      </a:lt1>
+      <a:dk2>
+        <a:srgbClr val="44546A"/>
+      </a:dk2>
+      <a:lt2>
+        <a:srgbClr val="E7E6E6"/>
+      </a:lt2>
+      <a:accent1>
+        <a:srgbClr val="5B9BD5"/>
+      </a:accent1>
+      <a:accent2>
+        <a:srgbClr val="ED7D31"/>
+      </a:accent2>
+      <a:accent3>
+        <a:srgbClr val="A5A5A5"/>
+      </a:accent3>
+      <a:accent4>
+        <a:srgbClr val="FFC000"/>
+      </a:accent4>
+      <a:accent5>
+        <a:srgbClr val="4472C4"/>
+      </a:accent5>
+      <a:accent6>
+        <a:srgbClr val="70AD47"/>
+      </a:accent6>
+      <a:hlink>
+        <a:srgbClr val="0563C1"/>
+      </a:hlink>
+      <a:folHlink>
+        <a:srgbClr val="954F72"/>
+      </a:folHlink>
+    </a:clrScheme>
+    <a:fontScheme name="Office">
+      <a:majorFont>
+        <a:latin typeface="Calibri Light"/>
+        <a:ea typeface=""/>
+        <a:cs typeface=""/>
+        <a:font script="Jpan" typeface="ＭＳ Ｐゴシック"/>
+        <a:font script="Hang" typeface="맑은 고딕"/>
+        <a:font script="Hans" typeface="宋体"/>
+        <a:font script="Hant" typeface="新細明體"/>
+        <a:font script="Arab" typeface="Times New Roman"/>
+        <a:font script="Hebr" typeface="Times New Roman"/>
+        <a:font script="Thai" typeface="Angsana New"/>
+        <a:font script="Ethi" typeface="Nyala"/>
+        <a:font script="Beng" typeface="Vrinda"/>
+        <a:font script="Gujr" typeface="Shruti"/>
+        <a:font script="Khmr" typeface="MoolBoran"/>
+        <a:font script="Knda" typeface="Tunga"/>
+        <a:font script="Guru" typeface="Raavi"/>
+        <a:font script="Cans" typeface="Euphemia"/>
+        <a:font script="Cher" typeface="Plantagenet Cherokee"/>
+        <a:font script="Yiii" typeface="Microsoft Yi Baiti"/>
+        <a:font script="Tibt" typeface="Microsoft Himalaya"/>
+        <a:font script="Thaa" typeface="MV Boli"/>
+        <a:font script="Deva" typeface="Mangal"/>
+        <a:font script="Telu" typeface="Gautami"/>
+        <a:font script="Taml" typeface="Latha"/>
+        <a:font script="Syrc" typeface="Estrangelo Edessa"/>
+        <a:font script="Orya" typeface="Kalinga"/>
+        <a:font script="Mlym" typeface="Kartika"/>
+        <a:font script="Laoo" typeface="DokChampa"/>
+        <a:font script="Sinh" typeface="Iskoola Pota"/>
+        <a:font script="Mong" typeface="Mongolian Baiti"/>
+        <a:font script="Viet" typeface="Times New Roman"/>
+        <a:font script="Uigh" typeface="Microsoft Uighur"/>
+        <a:font script="Geor" typeface="Sylfaen"/>
+      </a:majorFont>
+      <a:minorFont>
+        <a:latin typeface="Calibri"/>
+        <a:ea typeface=""/>
+        <a:cs typeface=""/>
+        <a:font script="Jpan" typeface="ＭＳ Ｐゴシック"/>
+        <a:font script="Hang" typeface="맑은 고딕"/>
+        <a:font script="Hans" typeface="宋体"/>
+        <a:font script="Hant" typeface="新細明體"/>
+        <a:font script="Arab" typeface="Arial"/>
+        <a:font script="Hebr" typeface="Arial"/>
+        <a:font script="Thai" typeface="Cordia New"/>
+        <a:font script="Ethi" typeface="Nyala"/>
+        <a:font script="Beng" typeface="Vrinda"/>
+        <a:font script="Gujr" typeface="Shruti"/>
+        <a:font script="Khmr" typeface="DaunPenh"/>
+        <a:font script="Knda" typeface="Tunga"/>
+        <a:font script="Guru" typeface="Raavi"/>
+        <a:font script="Cans" typeface="Euphemia"/>
+        <a:font script="Cher" typeface="Plantagenet Cherokee"/>
+        <a:font script="Yiii" typeface="Microsoft Yi Baiti"/>
+        <a:font script="Tibt" typeface="Microsoft Himalaya"/>
+        <a:font script="Thaa" typeface="MV Boli"/>
+        <a:font script="Deva" typeface="Mangal"/>
+        <a:font script="Telu" typeface="Gautami"/>
+        <a:font script="Taml" typeface="Latha"/>
+        <a:font script="Syrc" typeface="Estrangelo Edessa"/>
+        <a:font script="Orya" typeface="Kalinga"/>
+        <a:font script="Mlym" typeface="Kartika"/>
+        <a:font script="Laoo" typeface="DokChampa"/>
+        <a:font script="Sinh" typeface="Iskoola Pota"/>
+        <a:font script="Mong" typeface="Mongolian Baiti"/>
+        <a:font script="Viet" typeface="Arial"/>
+        <a:font script="Uigh" typeface="Microsoft Uighur"/>
+        <a:font script="Geor" typeface="Sylfaen"/>
+      </a:minorFont>
+    </a:fontScheme>
+    <a:fmtScheme name="Office">
+      <a:fillStyleLst>
+        <a:solidFill>
+          <a:schemeClr val="phClr"/>
+        </a:solidFill>
+        <a:gradFill rotWithShape="1">
+          <a:gsLst>
+            <a:gs pos="0">
+              <a:schemeClr val="phClr">
+                <a:lumMod val="110000"/>
+                <a:satMod val="105000"/>
+                <a:tint val="67000"/>
+              </a:schemeClr>
+            </a:gs>
+            <a:gs pos="50000">
+              <a:schemeClr val="phClr">
+                <a:lumMod val="105000"/>
+                <a:satMod val="103000"/>
+                <a:tint val="73000"/>
+              </a:schemeClr>
+            </a:gs>
+            <a:gs pos="100000">
+              <a:schemeClr val="phClr">
+                <a:lumMod val="105000"/>
+                <a:satMod val="109000"/>
+                <a:tint val="81000"/>
+              </a:schemeClr>
+            </a:gs>
+          </a:gsLst>
+          <a:lin ang="5400000" scaled="0"/>
+        </a:gradFill>
+        <a:gradFill rotWithShape="1">
+          <a:gsLst>
+            <a:gs pos="0">
+              <a:schemeClr val="phClr">
+                <a:satMod val="103000"/>
+                <a:lumMod val="102000"/>
+                <a:tint val="94000"/>
+              </a:schemeClr>
+            </a:gs>
+            <a:gs pos="50000">
+              <a:schemeClr val="phClr">
+                <a:satMod val="110000"/>
+                <a:lumMod val="100000"/>
+                <a:shade val="100000"/>
+              </a:schemeClr>
+            </a:gs>
+            <a:gs pos="100000">
+              <a:schemeClr val="phClr">
+                <a:lumMod val="99000"/>
+                <a:satMod val="120000"/>
+                <a:shade val="78000"/>
+              </a:schemeClr>
+            </a:gs>
+          </a:gsLst>
+          <a:lin ang="5400000" scaled="0"/>
+        </a:gradFill>
+      </a:fillStyleLst>
+      <a:lnStyleLst>
+        <a:ln w="6350" cap="flat" cmpd="sng" algn="ctr">
+          <a:solidFill>
+            <a:schemeClr val="phClr"/>
+          </a:solidFill>
+          <a:prstDash val="solid"/>
+          <a:miter lim="800000"/>
+        </a:ln>
+        <a:ln w="12700" cap="flat" cmpd="sng" algn="ctr">
+          <a:solidFill>
+            <a:schemeClr val="phClr"/>
+          </a:solidFill>
+          <a:prstDash val="solid"/>
+          <a:miter lim="800000"/>
+        </a:ln>
+        <a:ln w="19050" cap="flat" cmpd="sng" algn="ctr">
+          <a:solidFill>
+            <a:schemeClr val="phClr"/>
+          </a:solidFill>
+          <a:prstDash val="solid"/>
+          <a:miter lim="800000"/>
+        </a:ln>
+      </a:lnStyleLst>
+      <a:effectStyleLst>
+        <a:effectStyle>
+          <a:effectLst/>
+        </a:effectStyle>
+        <a:effectStyle>
+          <a:effectLst/>
+        </a:effectStyle>
+        <a:effectStyle>
+          <a:effectLst>
+            <a:outerShdw blurRad="57150" dist="19050" dir="5400000" algn="ctr" rotWithShape="0">
+              <a:srgbClr val="000000">
+                <a:alpha val="63000"/>
+              </a:srgbClr>
+            </a:outerShdw>
+          </a:effectLst>
+        </a:effectStyle>
+      </a:effectStyleLst>
+      <a:bgFillStyleLst>
+        <a:solidFill>
+          <a:schemeClr val="phClr"/>
+        </a:solidFill>
+        <a:solidFill>
+          <a:schemeClr val="phClr">
+            <a:tint val="95000"/>
+            <a:satMod val="170000"/>
+          </a:schemeClr>
+        </a:solidFill>
+        <a:gradFill rotWithShape="1">
+          <a:gsLst>
+            <a:gs pos="0">
+              <a:schemeClr val="phClr">
+                <a:tint val="93000"/>
+                <a:satMod val="150000"/>
+                <a:shade val="98000"/>
+                <a:lumMod val="102000"/>
+              </a:schemeClr>
+            </a:gs>
+            <a:gs pos="50000">
+              <a:schemeClr val="phClr">
+                <a:tint val="98000"/>
+                <a:satMod val="130000"/>
+                <a:shade val="90000"/>
+                <a:lumMod val="103000"/>
+              </a:schemeClr>
+            </a:gs>
+            <a:gs pos="100000">
+              <a:schemeClr val="phClr">
+                <a:shade val="63000"/>
+                <a:satMod val="120000"/>
+              </a:schemeClr>
+            </a:gs>
+          </a:gsLst>
+          <a:lin ang="5400000" scaled="0"/>
+        </a:gradFill>
+      </a:bgFillStyleLst>
+    </a:fmtScheme>
+  </a:themeElements>
+  <a:extLst>
+    <a:ext uri="{05A4C25C-085E-4340-85A3-A5531E510DB2}">
+      <thm15:themeFamily xmlns:thm15="http://schemas.microsoft.com/office/thememl/2012/main" name="Office Theme" id="{62F939B6-93AF-4DB8-9C6B-D6C7DFDC589F}" vid="{4A3C46E8-61CC-4603-A589-7422A47A8E4A}"/>
+    </a:ext>
+  </a:extLst>
+</a:theme>
 </file>